--- a/report/Infineon_PSOC6_Lecture_Project_Status_Template.pptx
+++ b/report/Infineon_PSOC6_Lecture_Project_Status_Template.pptx
@@ -438,7 +438,7 @@
                 <a:cs typeface="Arial" panose="020B0604020202020204" pitchFamily="34" charset="0"/>
               </a:rPr>
               <a:pPr/>
-              <a:t>‹#›</a:t>
+              <a:t>‹Nr.›</a:t>
             </a:fld>
             <a:endParaRPr lang="en-US" sz="800" dirty="0">
               <a:solidFill>
@@ -1315,7 +1315,7 @@
                 <a:cs typeface="Arial" panose="020B0604020202020204" pitchFamily="34" charset="0"/>
               </a:rPr>
               <a:pPr/>
-              <a:t>‹#›</a:t>
+              <a:t>‹Nr.›</a:t>
             </a:fld>
             <a:endParaRPr lang="en-US" dirty="0">
               <a:latin typeface="Arial" panose="020B0604020202020204" pitchFamily="34" charset="0"/>
@@ -19453,7 +19453,7 @@
                 <a:buNone/>
                 <a:tabLst/>
               </a:pPr>
-              <a:t>‹#›</a:t>
+              <a:t>‹Nr.›</a:t>
             </a:fld>
             <a:endParaRPr lang="en-US" sz="800" b="1" kern="0" baseline="0">
               <a:solidFill>
@@ -20160,7 +20160,7 @@
         </p:nvSpPr>
         <p:spPr bwMode="auto">
           <a:xfrm>
-            <a:off x="336449" y="2223329"/>
+            <a:off x="343317" y="2209138"/>
             <a:ext cx="3671832" cy="4142274"/>
           </a:xfrm>
           <a:prstGeom prst="roundRect">
@@ -20224,8 +20224,131 @@
                   <a:schemeClr val="tx1"/>
                 </a:solidFill>
               </a:rPr>
-              <a:t>text</a:t>
-            </a:r>
+              <a:t>Reviewed lecture contents and deepened the understanding of all the software tools</a:t>
+            </a:r>
+            <a:endParaRPr lang="de-DE" dirty="0">
+              <a:solidFill>
+                <a:schemeClr val="tx1"/>
+              </a:solidFill>
+            </a:endParaRPr>
+          </a:p>
+          <a:p>
+            <a:pPr marL="285750" indent="-285750" defTabSz="576000" eaLnBrk="0" hangingPunct="0">
+              <a:lnSpc>
+                <a:spcPct val="120000"/>
+              </a:lnSpc>
+              <a:buFont typeface="Arial" panose="020B0604020202020204" pitchFamily="34" charset="0"/>
+              <a:buChar char="•"/>
+            </a:pPr>
+            <a:r>
+              <a:rPr lang="en-US" dirty="0">
+                <a:solidFill>
+                  <a:schemeClr val="tx1"/>
+                </a:solidFill>
+              </a:rPr>
+              <a:t>Successfully connected the microcontroller to </a:t>
+            </a:r>
+            <a:r>
+              <a:rPr lang="en-US" dirty="0" err="1">
+                <a:solidFill>
+                  <a:schemeClr val="tx1"/>
+                </a:solidFill>
+              </a:rPr>
+              <a:t>Deepcraft</a:t>
+            </a:r>
+            <a:r>
+              <a:rPr lang="en-US" dirty="0">
+                <a:solidFill>
+                  <a:schemeClr val="tx1"/>
+                </a:solidFill>
+              </a:rPr>
+              <a:t> Studio via the private </a:t>
+            </a:r>
+            <a:r>
+              <a:rPr lang="en-US" dirty="0" err="1">
+                <a:solidFill>
+                  <a:schemeClr val="tx1"/>
+                </a:solidFill>
+              </a:rPr>
+              <a:t>WiFi</a:t>
+            </a:r>
+            <a:r>
+              <a:rPr lang="en-US" dirty="0">
+                <a:solidFill>
+                  <a:schemeClr val="tx1"/>
+                </a:solidFill>
+              </a:rPr>
+              <a:t> and hotspot</a:t>
+            </a:r>
+            <a:endParaRPr lang="de-DE" dirty="0">
+              <a:solidFill>
+                <a:schemeClr val="tx1"/>
+              </a:solidFill>
+            </a:endParaRPr>
+          </a:p>
+          <a:p>
+            <a:pPr marL="285750" indent="-285750" defTabSz="576000" eaLnBrk="0" hangingPunct="0">
+              <a:lnSpc>
+                <a:spcPct val="120000"/>
+              </a:lnSpc>
+              <a:buFont typeface="Arial" panose="020B0604020202020204" pitchFamily="34" charset="0"/>
+              <a:buChar char="•"/>
+            </a:pPr>
+            <a:r>
+              <a:rPr lang="en-US" dirty="0">
+                <a:solidFill>
+                  <a:schemeClr val="tx1"/>
+                </a:solidFill>
+              </a:rPr>
+              <a:t>Initialized the necessary </a:t>
+            </a:r>
+            <a:r>
+              <a:rPr lang="en-US" dirty="0" err="1">
+                <a:solidFill>
+                  <a:schemeClr val="tx1"/>
+                </a:solidFill>
+              </a:rPr>
+              <a:t>Deepcraft</a:t>
+            </a:r>
+            <a:r>
+              <a:rPr lang="en-US" dirty="0">
+                <a:solidFill>
+                  <a:schemeClr val="tx1"/>
+                </a:solidFill>
+              </a:rPr>
+              <a:t> projects and configured the preprocessor for training the models</a:t>
+            </a:r>
+          </a:p>
+          <a:p>
+            <a:pPr marL="285750" indent="-285750" defTabSz="576000" eaLnBrk="0" hangingPunct="0">
+              <a:lnSpc>
+                <a:spcPct val="120000"/>
+              </a:lnSpc>
+              <a:buFont typeface="Arial" panose="020B0604020202020204" pitchFamily="34" charset="0"/>
+              <a:buChar char="•"/>
+            </a:pPr>
+            <a:r>
+              <a:rPr lang="en-US" dirty="0">
+                <a:solidFill>
+                  <a:schemeClr val="tx1"/>
+                </a:solidFill>
+              </a:rPr>
+              <a:t>Started the initial phase of data collection</a:t>
+            </a:r>
+          </a:p>
+          <a:p>
+            <a:pPr marL="285750" indent="-285750" defTabSz="576000" eaLnBrk="0" hangingPunct="0">
+              <a:lnSpc>
+                <a:spcPct val="120000"/>
+              </a:lnSpc>
+              <a:buFont typeface="Arial" panose="020B0604020202020204" pitchFamily="34" charset="0"/>
+              <a:buChar char="•"/>
+            </a:pPr>
+            <a:endParaRPr lang="en-US" dirty="0">
+              <a:solidFill>
+                <a:schemeClr val="tx1"/>
+              </a:solidFill>
+            </a:endParaRPr>
           </a:p>
         </p:txBody>
       </p:sp>
@@ -20307,7 +20430,57 @@
                   <a:schemeClr val="tx1"/>
                 </a:solidFill>
               </a:rPr>
-              <a:t>text</a:t>
+              <a:t>Conduct more data acquisition sessions over the weekend, involving multiple test subjects</a:t>
+            </a:r>
+          </a:p>
+          <a:p>
+            <a:pPr marL="285750" indent="-285750" defTabSz="576000" eaLnBrk="0" hangingPunct="0">
+              <a:lnSpc>
+                <a:spcPct val="120000"/>
+              </a:lnSpc>
+              <a:buFont typeface="Arial" panose="020B0604020202020204" pitchFamily="34" charset="0"/>
+              <a:buChar char="•"/>
+            </a:pPr>
+            <a:r>
+              <a:rPr lang="en-US" dirty="0">
+                <a:solidFill>
+                  <a:schemeClr val="tx1"/>
+                </a:solidFill>
+              </a:rPr>
+              <a:t>Train the first AI-models based on our data</a:t>
+            </a:r>
+          </a:p>
+          <a:p>
+            <a:pPr marL="285750" indent="-285750" defTabSz="576000" eaLnBrk="0" hangingPunct="0">
+              <a:lnSpc>
+                <a:spcPct val="120000"/>
+              </a:lnSpc>
+              <a:buFont typeface="Arial" panose="020B0604020202020204" pitchFamily="34" charset="0"/>
+              <a:buChar char="•"/>
+            </a:pPr>
+            <a:r>
+              <a:rPr lang="en-US" dirty="0">
+                <a:solidFill>
+                  <a:schemeClr val="tx1"/>
+                </a:solidFill>
+              </a:rPr>
+              <a:t>Begin to integrate the model into a </a:t>
+            </a:r>
+            <a:r>
+              <a:rPr lang="en-US" dirty="0" err="1">
+                <a:solidFill>
+                  <a:schemeClr val="tx1"/>
+                </a:solidFill>
+              </a:rPr>
+              <a:t>micropython</a:t>
+            </a:r>
+            <a:r>
+              <a:rPr lang="en-US" dirty="0">
+                <a:solidFill>
+                  <a:schemeClr val="tx1"/>
+                </a:solidFill>
+              </a:rPr>
+              <a:t> code</a:t>
             </a:r>
           </a:p>
         </p:txBody>
@@ -20390,8 +20563,22 @@
                   <a:schemeClr val="tx1"/>
                 </a:solidFill>
               </a:rPr>
-              <a:t>text</a:t>
-            </a:r>
+              <a:t>Clarification between the “train”, “validation” and “test” datasets and their differences</a:t>
+            </a:r>
+          </a:p>
+          <a:p>
+            <a:pPr marL="285750" indent="-285750" defTabSz="576000" eaLnBrk="0" hangingPunct="0">
+              <a:lnSpc>
+                <a:spcPct val="120000"/>
+              </a:lnSpc>
+              <a:buFont typeface="Arial" panose="020B0604020202020204" pitchFamily="34" charset="0"/>
+              <a:buChar char="•"/>
+            </a:pPr>
+            <a:endParaRPr lang="en-US" dirty="0">
+              <a:solidFill>
+                <a:schemeClr val="tx1"/>
+              </a:solidFill>
+            </a:endParaRPr>
           </a:p>
         </p:txBody>
       </p:sp>
@@ -24067,16 +24254,16 @@
 <file path=customXml/itemProps3.xml><?xml version="1.0" encoding="utf-8"?>
 <ds:datastoreItem xmlns:ds="http://schemas.openxmlformats.org/officeDocument/2006/customXml" ds:itemID="{D299A1D5-F553-4264-9022-E0136C61CE27}">
   <ds:schemaRefs>
+    <ds:schemaRef ds:uri="http://schemas.microsoft.com/sharepoint/v3"/>
+    <ds:schemaRef ds:uri="http://schemas.microsoft.com/office/2006/documentManagement/types"/>
+    <ds:schemaRef ds:uri="http://purl.org/dc/terms/"/>
+    <ds:schemaRef ds:uri="http://purl.org/dc/elements/1.1/"/>
+    <ds:schemaRef ds:uri="http://purl.org/dc/dcmitype/"/>
     <ds:schemaRef ds:uri="http://schemas.microsoft.com/office/infopath/2007/PartnerControls"/>
+    <ds:schemaRef ds:uri="http://www.w3.org/XML/1998/namespace"/>
+    <ds:schemaRef ds:uri="http://schemas.openxmlformats.org/package/2006/metadata/core-properties"/>
     <ds:schemaRef ds:uri="3df75a81-b7cb-4783-ab8b-190cb7919186"/>
-    <ds:schemaRef ds:uri="http://purl.org/dc/elements/1.1/"/>
-    <ds:schemaRef ds:uri="http://schemas.microsoft.com/office/2006/documentManagement/types"/>
-    <ds:schemaRef ds:uri="http://schemas.microsoft.com/sharepoint/v3"/>
-    <ds:schemaRef ds:uri="http://schemas.openxmlformats.org/package/2006/metadata/core-properties"/>
     <ds:schemaRef ds:uri="http://schemas.microsoft.com/office/2006/metadata/properties"/>
-    <ds:schemaRef ds:uri="http://www.w3.org/XML/1998/namespace"/>
-    <ds:schemaRef ds:uri="http://purl.org/dc/dcmitype/"/>
-    <ds:schemaRef ds:uri="http://purl.org/dc/terms/"/>
   </ds:schemaRefs>
 </ds:datastoreItem>
 </file>

--- a/report/Infineon_PSOC6_Lecture_Project_Status_Template.pptx
+++ b/report/Infineon_PSOC6_Lecture_Project_Status_Template.pptx
@@ -5,21 +5,22 @@
     <p:sldMasterId id="2147483715" r:id="rId4"/>
   </p:sldMasterIdLst>
   <p:notesMasterIdLst>
-    <p:notesMasterId r:id="rId9"/>
+    <p:notesMasterId r:id="rId10"/>
   </p:notesMasterIdLst>
   <p:handoutMasterIdLst>
-    <p:handoutMasterId r:id="rId10"/>
+    <p:handoutMasterId r:id="rId11"/>
   </p:handoutMasterIdLst>
   <p:sldIdLst>
     <p:sldId id="2147471886" r:id="rId5"/>
     <p:sldId id="2147483462" r:id="rId6"/>
-    <p:sldId id="2147483464" r:id="rId7"/>
-    <p:sldId id="2147471884" r:id="rId8"/>
+    <p:sldId id="2147483465" r:id="rId7"/>
+    <p:sldId id="2147483464" r:id="rId8"/>
+    <p:sldId id="2147471884" r:id="rId9"/>
   </p:sldIdLst>
   <p:sldSz cx="12192000" cy="6858000"/>
   <p:notesSz cx="7099300" cy="10234613"/>
   <p:custDataLst>
-    <p:tags r:id="rId11"/>
+    <p:tags r:id="rId12"/>
   </p:custDataLst>
   <p:defaultTextStyle>
     <a:defPPr>
@@ -438,7 +439,7 @@
                 <a:cs typeface="Arial" panose="020B0604020202020204" pitchFamily="34" charset="0"/>
               </a:rPr>
               <a:pPr/>
-              <a:t>‹Nr.›</a:t>
+              <a:t>‹#›</a:t>
             </a:fld>
             <a:endParaRPr lang="en-US" sz="800" dirty="0">
               <a:solidFill>
@@ -1315,7 +1316,7 @@
                 <a:cs typeface="Arial" panose="020B0604020202020204" pitchFamily="34" charset="0"/>
               </a:rPr>
               <a:pPr/>
-              <a:t>‹Nr.›</a:t>
+              <a:t>‹#›</a:t>
             </a:fld>
             <a:endParaRPr lang="en-US" dirty="0">
               <a:latin typeface="Arial" panose="020B0604020202020204" pitchFamily="34" charset="0"/>
@@ -19453,7 +19454,7 @@
                 <a:buNone/>
                 <a:tabLst/>
               </a:pPr>
-              <a:t>‹Nr.›</a:t>
+              <a:t>‹#›</a:t>
             </a:fld>
             <a:endParaRPr lang="en-US" sz="800" b="1" kern="0" baseline="0">
               <a:solidFill>
@@ -20624,7 +20625,23 @@
                   <a:schemeClr val="tx1"/>
                 </a:solidFill>
               </a:rPr>
-              <a:t> main loop bevor the next iteration.</a:t>
+              <a:t> main </a:t>
+            </a:r>
+            <a:r>
+              <a:rPr lang="en-US">
+                <a:solidFill>
+                  <a:schemeClr val="tx1"/>
+                </a:solidFill>
+              </a:rPr>
+              <a:t>loop before </a:t>
+            </a:r>
+            <a:r>
+              <a:rPr lang="en-US" dirty="0">
+                <a:solidFill>
+                  <a:schemeClr val="tx1"/>
+                </a:solidFill>
+              </a:rPr>
+              <a:t>the next iteration.</a:t>
             </a:r>
           </a:p>
         </p:txBody>
@@ -20921,8 +20938,106 @@
                   <a:schemeClr val="tx1"/>
                 </a:solidFill>
               </a:rPr>
-              <a:t>text</a:t>
-            </a:r>
+              <a:t>Finished data collection, including data redistribution to train, validation and test sets.</a:t>
+            </a:r>
+          </a:p>
+          <a:p>
+            <a:pPr marL="285750" indent="-285750" defTabSz="576000" eaLnBrk="0" hangingPunct="0">
+              <a:lnSpc>
+                <a:spcPct val="120000"/>
+              </a:lnSpc>
+              <a:buFont typeface="Arial" panose="020B0604020202020204" pitchFamily="34" charset="0"/>
+              <a:buChar char="•"/>
+            </a:pPr>
+            <a:r>
+              <a:rPr lang="en-US" dirty="0">
+                <a:solidFill>
+                  <a:schemeClr val="tx1"/>
+                </a:solidFill>
+              </a:rPr>
+              <a:t>Configured and built the preprocessor.</a:t>
+            </a:r>
+          </a:p>
+          <a:p>
+            <a:pPr marL="285750" indent="-285750" defTabSz="576000" eaLnBrk="0" hangingPunct="0">
+              <a:lnSpc>
+                <a:spcPct val="120000"/>
+              </a:lnSpc>
+              <a:buFont typeface="Arial" panose="020B0604020202020204" pitchFamily="34" charset="0"/>
+              <a:buChar char="•"/>
+            </a:pPr>
+            <a:r>
+              <a:rPr lang="en-US" dirty="0">
+                <a:solidFill>
+                  <a:schemeClr val="tx1"/>
+                </a:solidFill>
+              </a:rPr>
+              <a:t>Configured and trained a model.</a:t>
+            </a:r>
+          </a:p>
+          <a:p>
+            <a:pPr marL="285750" indent="-285750" defTabSz="576000" eaLnBrk="0" hangingPunct="0">
+              <a:lnSpc>
+                <a:spcPct val="120000"/>
+              </a:lnSpc>
+              <a:buFont typeface="Arial" panose="020B0604020202020204" pitchFamily="34" charset="0"/>
+              <a:buChar char="•"/>
+            </a:pPr>
+            <a:r>
+              <a:rPr lang="en-US" dirty="0">
+                <a:solidFill>
+                  <a:schemeClr val="tx1"/>
+                </a:solidFill>
+              </a:rPr>
+              <a:t>Found and ordered the suitable light bulb for the project.</a:t>
+            </a:r>
+          </a:p>
+          <a:p>
+            <a:pPr marL="285750" indent="-285750" defTabSz="576000" eaLnBrk="0" hangingPunct="0">
+              <a:lnSpc>
+                <a:spcPct val="120000"/>
+              </a:lnSpc>
+              <a:buFont typeface="Arial" panose="020B0604020202020204" pitchFamily="34" charset="0"/>
+              <a:buChar char="•"/>
+            </a:pPr>
+            <a:r>
+              <a:rPr lang="en-US" dirty="0">
+                <a:solidFill>
+                  <a:schemeClr val="tx1"/>
+                </a:solidFill>
+              </a:rPr>
+              <a:t>Prepared the class for the light bulb in </a:t>
+            </a:r>
+            <a:r>
+              <a:rPr lang="en-US" dirty="0" err="1">
+                <a:solidFill>
+                  <a:schemeClr val="tx1"/>
+                </a:solidFill>
+              </a:rPr>
+              <a:t>micropython</a:t>
+            </a:r>
+            <a:r>
+              <a:rPr lang="en-US" dirty="0">
+                <a:solidFill>
+                  <a:schemeClr val="tx1"/>
+                </a:solidFill>
+              </a:rPr>
+              <a:t>.</a:t>
+            </a:r>
+          </a:p>
+          <a:p>
+            <a:pPr marL="285750" indent="-285750" defTabSz="576000" eaLnBrk="0" hangingPunct="0">
+              <a:lnSpc>
+                <a:spcPct val="120000"/>
+              </a:lnSpc>
+              <a:buFont typeface="Arial" panose="020B0604020202020204" pitchFamily="34" charset="0"/>
+              <a:buChar char="•"/>
+            </a:pPr>
+            <a:endParaRPr lang="en-US" dirty="0">
+              <a:solidFill>
+                <a:schemeClr val="tx1"/>
+              </a:solidFill>
+            </a:endParaRPr>
           </a:p>
         </p:txBody>
       </p:sp>
@@ -21004,7 +21119,57 @@
                   <a:schemeClr val="tx1"/>
                 </a:solidFill>
               </a:rPr>
-              <a:t>text</a:t>
+              <a:t>To fix the issues we faced in order to have our model ready for </a:t>
+            </a:r>
+            <a:r>
+              <a:rPr lang="en-US" dirty="0" err="1">
+                <a:solidFill>
+                  <a:schemeClr val="tx1"/>
+                </a:solidFill>
+              </a:rPr>
+              <a:t>micropython</a:t>
+            </a:r>
+            <a:r>
+              <a:rPr lang="en-US" dirty="0">
+                <a:solidFill>
+                  <a:schemeClr val="tx1"/>
+                </a:solidFill>
+              </a:rPr>
+              <a:t> integration.</a:t>
+            </a:r>
+          </a:p>
+          <a:p>
+            <a:pPr marL="285750" indent="-285750" defTabSz="576000" eaLnBrk="0" hangingPunct="0">
+              <a:lnSpc>
+                <a:spcPct val="120000"/>
+              </a:lnSpc>
+              <a:buFont typeface="Arial" panose="020B0604020202020204" pitchFamily="34" charset="0"/>
+              <a:buChar char="•"/>
+            </a:pPr>
+            <a:r>
+              <a:rPr lang="en-US" dirty="0">
+                <a:solidFill>
+                  <a:schemeClr val="tx1"/>
+                </a:solidFill>
+              </a:rPr>
+              <a:t>To make our first tests of the model on the PSoC6.</a:t>
+            </a:r>
+          </a:p>
+          <a:p>
+            <a:pPr marL="285750" indent="-285750" defTabSz="576000" eaLnBrk="0" hangingPunct="0">
+              <a:lnSpc>
+                <a:spcPct val="120000"/>
+              </a:lnSpc>
+              <a:buFont typeface="Arial" panose="020B0604020202020204" pitchFamily="34" charset="0"/>
+              <a:buChar char="•"/>
+            </a:pPr>
+            <a:r>
+              <a:rPr lang="en-US" dirty="0">
+                <a:solidFill>
+                  <a:schemeClr val="tx1"/>
+                </a:solidFill>
+              </a:rPr>
+              <a:t>To successfully connect the board and the light bulb.</a:t>
             </a:r>
           </a:p>
         </p:txBody>
@@ -21087,7 +21252,65 @@
                   <a:schemeClr val="tx1"/>
                 </a:solidFill>
               </a:rPr>
-              <a:t>text</a:t>
+              <a:t>We had a persistent error while trying to generate the C99 code.</a:t>
+            </a:r>
+          </a:p>
+          <a:p>
+            <a:pPr marL="285750" indent="-285750" defTabSz="576000" eaLnBrk="0" hangingPunct="0">
+              <a:lnSpc>
+                <a:spcPct val="120000"/>
+              </a:lnSpc>
+              <a:buFont typeface="Arial" panose="020B0604020202020204" pitchFamily="34" charset="0"/>
+              <a:buChar char="•"/>
+            </a:pPr>
+            <a:r>
+              <a:rPr lang="en-US" b="1" dirty="0">
+                <a:solidFill>
+                  <a:schemeClr val="tx1"/>
+                </a:solidFill>
+              </a:rPr>
+              <a:t>Error: </a:t>
+            </a:r>
+            <a:r>
+              <a:rPr lang="en-US" dirty="0">
+                <a:solidFill>
+                  <a:schemeClr val="tx1"/>
+                </a:solidFill>
+              </a:rPr>
+              <a:t>Failed to generate code. Sequence contains no matching element.</a:t>
+            </a:r>
+          </a:p>
+          <a:p>
+            <a:pPr marL="285750" indent="-285750" defTabSz="576000" eaLnBrk="0" hangingPunct="0">
+              <a:lnSpc>
+                <a:spcPct val="120000"/>
+              </a:lnSpc>
+              <a:buFont typeface="Arial" panose="020B0604020202020204" pitchFamily="34" charset="0"/>
+              <a:buChar char="•"/>
+            </a:pPr>
+            <a:r>
+              <a:rPr lang="en-US" dirty="0">
+                <a:solidFill>
+                  <a:schemeClr val="tx1"/>
+                </a:solidFill>
+              </a:rPr>
+              <a:t>After managing to generate the C99 code, the same issue arose while trying to convert it to </a:t>
+            </a:r>
+            <a:r>
+              <a:rPr lang="en-US" dirty="0" err="1">
+                <a:solidFill>
+                  <a:schemeClr val="tx1"/>
+                </a:solidFill>
+              </a:rPr>
+              <a:t>micropython</a:t>
+            </a:r>
+            <a:r>
+              <a:rPr lang="en-US" dirty="0">
+                <a:solidFill>
+                  <a:schemeClr val="tx1"/>
+                </a:solidFill>
+              </a:rPr>
+              <a:t> code.</a:t>
             </a:r>
           </a:p>
         </p:txBody>
@@ -21249,6 +21472,150 @@
 </file>
 
 <file path=ppt/slides/slide3.xml><?xml version="1.0" encoding="utf-8"?>
+<p:sld xmlns:a="http://schemas.openxmlformats.org/drawingml/2006/main" xmlns:r="http://schemas.openxmlformats.org/officeDocument/2006/relationships" xmlns:p="http://schemas.openxmlformats.org/presentationml/2006/main">
+  <p:cSld>
+    <p:spTree>
+      <p:nvGrpSpPr>
+        <p:cNvPr id="1" name=""/>
+        <p:cNvGrpSpPr/>
+        <p:nvPr/>
+      </p:nvGrpSpPr>
+      <p:grpSpPr>
+        <a:xfrm>
+          <a:off x="0" y="0"/>
+          <a:ext cx="0" cy="0"/>
+          <a:chOff x="0" y="0"/>
+          <a:chExt cx="0" cy="0"/>
+        </a:xfrm>
+      </p:grpSpPr>
+      <p:sp>
+        <p:nvSpPr>
+          <p:cNvPr id="3" name="Title 2">
+            <a:extLst>
+              <a:ext uri="{FF2B5EF4-FFF2-40B4-BE49-F238E27FC236}">
+                <a16:creationId xmlns:a16="http://schemas.microsoft.com/office/drawing/2014/main" id="{BDF3DBAF-853C-626D-C95E-3F6A8803A4D7}"/>
+              </a:ext>
+            </a:extLst>
+          </p:cNvPr>
+          <p:cNvSpPr>
+            <a:spLocks noGrp="1"/>
+          </p:cNvSpPr>
+          <p:nvPr>
+            <p:ph type="title"/>
+          </p:nvPr>
+        </p:nvSpPr>
+        <p:spPr/>
+        <p:txBody>
+          <a:bodyPr/>
+          <a:lstStyle/>
+          <a:p>
+            <a:r>
+              <a:rPr lang="en-US" dirty="0"/>
+              <a:t>Make Error</a:t>
+            </a:r>
+          </a:p>
+        </p:txBody>
+      </p:sp>
+      <p:sp>
+        <p:nvSpPr>
+          <p:cNvPr id="4" name="Date Placeholder 3">
+            <a:extLst>
+              <a:ext uri="{FF2B5EF4-FFF2-40B4-BE49-F238E27FC236}">
+                <a16:creationId xmlns:a16="http://schemas.microsoft.com/office/drawing/2014/main" id="{1361FAF9-5A1F-FAD7-A1E1-84E51546DD04}"/>
+              </a:ext>
+            </a:extLst>
+          </p:cNvPr>
+          <p:cNvSpPr>
+            <a:spLocks noGrp="1"/>
+          </p:cNvSpPr>
+          <p:nvPr>
+            <p:ph type="dt" sz="half" idx="14"/>
+          </p:nvPr>
+        </p:nvSpPr>
+        <p:spPr/>
+        <p:txBody>
+          <a:bodyPr/>
+          <a:lstStyle/>
+          <a:p>
+            <a:r>
+              <a:rPr lang="en-US" b="1"/>
+              <a:t> </a:t>
+            </a:r>
+            <a:endParaRPr lang="en-US" b="1" dirty="0"/>
+          </a:p>
+        </p:txBody>
+      </p:sp>
+      <p:sp>
+        <p:nvSpPr>
+          <p:cNvPr id="5" name="Footer Placeholder 4">
+            <a:extLst>
+              <a:ext uri="{FF2B5EF4-FFF2-40B4-BE49-F238E27FC236}">
+                <a16:creationId xmlns:a16="http://schemas.microsoft.com/office/drawing/2014/main" id="{1B275666-6CA3-5B38-C3F2-449CFC795A65}"/>
+              </a:ext>
+            </a:extLst>
+          </p:cNvPr>
+          <p:cNvSpPr>
+            <a:spLocks noGrp="1"/>
+          </p:cNvSpPr>
+          <p:nvPr>
+            <p:ph type="ftr" sz="quarter" idx="15"/>
+          </p:nvPr>
+        </p:nvSpPr>
+        <p:spPr/>
+        <p:txBody>
+          <a:bodyPr/>
+          <a:lstStyle/>
+          <a:p>
+            <a:endParaRPr lang="en-US" dirty="0"/>
+          </a:p>
+        </p:txBody>
+      </p:sp>
+      <p:pic>
+        <p:nvPicPr>
+          <p:cNvPr id="7" name="Content Placeholder 6">
+            <a:extLst>
+              <a:ext uri="{FF2B5EF4-FFF2-40B4-BE49-F238E27FC236}">
+                <a16:creationId xmlns:a16="http://schemas.microsoft.com/office/drawing/2014/main" id="{9ABC9E6E-C5A8-BD47-0E21-F871931036AB}"/>
+              </a:ext>
+            </a:extLst>
+          </p:cNvPr>
+          <p:cNvPicPr>
+            <a:picLocks noGrp="1" noChangeAspect="1"/>
+          </p:cNvPicPr>
+          <p:nvPr>
+            <p:ph sz="quarter" idx="13"/>
+          </p:nvPr>
+        </p:nvPicPr>
+        <p:blipFill>
+          <a:blip r:embed="rId2"/>
+          <a:stretch>
+            <a:fillRect/>
+          </a:stretch>
+        </p:blipFill>
+        <p:spPr>
+          <a:xfrm>
+            <a:off x="969054" y="1268413"/>
+            <a:ext cx="10252304" cy="5113337"/>
+          </a:xfrm>
+          <a:prstGeom prst="rect">
+            <a:avLst/>
+          </a:prstGeom>
+        </p:spPr>
+      </p:pic>
+    </p:spTree>
+    <p:extLst>
+      <p:ext uri="{BB962C8B-B14F-4D97-AF65-F5344CB8AC3E}">
+        <p14:creationId xmlns:p14="http://schemas.microsoft.com/office/powerpoint/2010/main" val="873043020"/>
+      </p:ext>
+    </p:extLst>
+  </p:cSld>
+  <p:clrMapOvr>
+    <a:masterClrMapping/>
+  </p:clrMapOvr>
+</p:sld>
+</file>
+
+<file path=ppt/slides/slide4.xml><?xml version="1.0" encoding="utf-8"?>
 <p:sld xmlns:a="http://schemas.openxmlformats.org/drawingml/2006/main" xmlns:r="http://schemas.openxmlformats.org/officeDocument/2006/relationships" xmlns:p="http://schemas.openxmlformats.org/presentationml/2006/main">
   <p:cSld>
     <p:spTree>
@@ -21755,7 +22122,7 @@
 </p:sld>
 </file>
 
-<file path=ppt/slides/slide4.xml><?xml version="1.0" encoding="utf-8"?>
+<file path=ppt/slides/slide5.xml><?xml version="1.0" encoding="utf-8"?>
 <p:sld xmlns:a="http://schemas.openxmlformats.org/drawingml/2006/main" xmlns:r="http://schemas.openxmlformats.org/officeDocument/2006/relationships" xmlns:p="http://schemas.openxmlformats.org/presentationml/2006/main">
   <p:cSld>
     <p:spTree>
